--- a/presentation/Google Trends as a Sentiment Indicator in Algorithmic Trading.pptx
+++ b/presentation/Google Trends as a Sentiment Indicator in Algorithmic Trading.pptx
@@ -230,7 +230,7 @@
           <a:p>
             <a:fld id="{B56F32FC-4BD9-442A-A8C6-51598C909FE3}" type="datetimeFigureOut">
               <a:rPr lang="en-US" smtClean="0"/>
-              <a:t>7/17/2024</a:t>
+              <a:t>7/18/2024</a:t>
             </a:fld>
             <a:endParaRPr lang="en-US" dirty="0"/>
           </a:p>
@@ -407,7 +407,7 @@
           <a:p>
             <a:fld id="{056371FA-A98D-41E8-93F4-09945841298A}" type="datetimeFigureOut">
               <a:rPr lang="en-US" smtClean="0"/>
-              <a:t>7/17/2024</a:t>
+              <a:t>7/18/2024</a:t>
             </a:fld>
             <a:endParaRPr lang="en-US" dirty="0"/>
           </a:p>
@@ -987,153 +987,7 @@
               <a:tabLst/>
               <a:defRPr/>
             </a:pPr>
-            <a:r>
-              <a:rPr lang="en-US" u="sng" dirty="0"/>
-              <a:t>Original text:</a:t>
-            </a:r>
-          </a:p>
-          <a:p>
-            <a:pPr marL="0" marR="0" lvl="0" indent="0" algn="l" defTabSz="914400" rtl="0" eaLnBrk="1" fontAlgn="auto" latinLnBrk="0" hangingPunct="1">
-              <a:lnSpc>
-                <a:spcPct val="100000"/>
-              </a:lnSpc>
-              <a:spcBef>
-                <a:spcPts val="0"/>
-              </a:spcBef>
-              <a:spcAft>
-                <a:spcPts val="0"/>
-              </a:spcAft>
-              <a:buClrTx/>
-              <a:buSzTx/>
-              <a:buFontTx/>
-              <a:buNone/>
-              <a:tabLst/>
-              <a:defRPr/>
-            </a:pPr>
-            <a:r>
-              <a:rPr lang="en-US" dirty="0"/>
-              <a:t>Simple idea, hard fine tuning. Our algorithm monitors search trends and sentiment analysis of crypto currencies related keywords. When it detects a significant increase in search frequency for a stock, it signals a potential buy opportunity, anticipating a price rise. How exactly? Come check our code!</a:t>
-            </a:r>
-          </a:p>
-          <a:p>
-            <a:pPr marL="0" marR="0" lvl="0" indent="0" algn="l" defTabSz="914400" rtl="0" eaLnBrk="1" fontAlgn="auto" latinLnBrk="0" hangingPunct="1">
-              <a:lnSpc>
-                <a:spcPct val="100000"/>
-              </a:lnSpc>
-              <a:spcBef>
-                <a:spcPts val="0"/>
-              </a:spcBef>
-              <a:spcAft>
-                <a:spcPts val="0"/>
-              </a:spcAft>
-              <a:buClrTx/>
-              <a:buSzTx/>
-              <a:buFontTx/>
-              <a:buNone/>
-              <a:tabLst/>
-              <a:defRPr/>
-            </a:pPr>
             <a:endParaRPr lang="en-US" dirty="0"/>
-          </a:p>
-          <a:p>
-            <a:pPr marL="0" marR="0" lvl="0" indent="0" algn="l" defTabSz="914400" rtl="0" eaLnBrk="1" fontAlgn="auto" latinLnBrk="0" hangingPunct="1">
-              <a:lnSpc>
-                <a:spcPct val="100000"/>
-              </a:lnSpc>
-              <a:spcBef>
-                <a:spcPts val="0"/>
-              </a:spcBef>
-              <a:spcAft>
-                <a:spcPts val="0"/>
-              </a:spcAft>
-              <a:buClrTx/>
-              <a:buSzTx/>
-              <a:buFontTx/>
-              <a:buNone/>
-              <a:tabLst/>
-              <a:defRPr/>
-            </a:pPr>
-            <a:r>
-              <a:rPr lang="en-US" u="sng" dirty="0"/>
-              <a:t>Bullet expansion:</a:t>
-            </a:r>
-            <a:endParaRPr lang="en-IL" u="sng" dirty="0"/>
-          </a:p>
-          <a:p>
-            <a:pPr marL="228600" indent="-228600">
-              <a:buAutoNum type="arabicPeriod"/>
-            </a:pPr>
-            <a:r>
-              <a:rPr lang="en-US" dirty="0"/>
-              <a:t>Simple Idea, Complex Execution:</a:t>
-            </a:r>
-          </a:p>
-          <a:p>
-            <a:pPr marL="685800" lvl="1" indent="-228600">
-              <a:buFont typeface="Arial" panose="020B0604020202020204" pitchFamily="34" charset="0"/>
-              <a:buChar char="•"/>
-            </a:pPr>
-            <a:r>
-              <a:rPr lang="en-US" dirty="0"/>
-              <a:t>"Our goal is to create an algorithm that monitors search trends and sentiment analysis for cryptocurrency-related keywords."</a:t>
-            </a:r>
-          </a:p>
-          <a:p>
-            <a:pPr marL="228600" indent="-228600">
-              <a:buAutoNum type="arabicPeriod"/>
-            </a:pPr>
-            <a:r>
-              <a:rPr lang="en-US" dirty="0"/>
-              <a:t>Algorithm Monitoring:</a:t>
-            </a:r>
-          </a:p>
-          <a:p>
-            <a:pPr marL="685800" lvl="1" indent="-228600">
-              <a:buFont typeface="Arial" panose="020B0604020202020204" pitchFamily="34" charset="0"/>
-              <a:buChar char="•"/>
-            </a:pPr>
-            <a:r>
-              <a:rPr lang="en-US" dirty="0"/>
-              <a:t>"When the algorithm detects a significant increase in search frequency for a stock, it signals a potential buy opportunity, anticipating a price rise."</a:t>
-            </a:r>
-          </a:p>
-          <a:p>
-            <a:pPr marL="228600" indent="-228600">
-              <a:buAutoNum type="arabicPeriod"/>
-            </a:pPr>
-            <a:r>
-              <a:rPr lang="en-US" dirty="0"/>
-              <a:t>Performance Metrics:</a:t>
-            </a:r>
-          </a:p>
-          <a:p>
-            <a:pPr marL="685800" lvl="1" indent="-228600">
-              <a:buFont typeface="Arial" panose="020B0604020202020204" pitchFamily="34" charset="0"/>
-              <a:buChar char="•"/>
-            </a:pPr>
-            <a:r>
-              <a:rPr lang="en-US" dirty="0"/>
-              <a:t>"We evaluated the performance of various versions of our strategy, each with different hyper-parameters, to identify the best performing one."</a:t>
-            </a:r>
-          </a:p>
-          <a:p>
-            <a:pPr marL="228600" indent="-228600">
-              <a:buAutoNum type="arabicPeriod"/>
-            </a:pPr>
-            <a:r>
-              <a:rPr lang="en-US" dirty="0"/>
-              <a:t>Comparison with Buy &amp; Hold:</a:t>
-            </a:r>
-          </a:p>
-          <a:p>
-            <a:pPr marL="685800" lvl="1" indent="-228600">
-              <a:buFont typeface="Arial" panose="020B0604020202020204" pitchFamily="34" charset="0"/>
-              <a:buChar char="•"/>
-            </a:pPr>
-            <a:r>
-              <a:rPr lang="en-US" dirty="0"/>
-              <a:t>"For comparison, we also implemented a simple Buy &amp; Hold strategy and calculated its performance metrics to benchmark our results."</a:t>
-            </a:r>
           </a:p>
         </p:txBody>
       </p:sp>
@@ -1217,134 +1071,6 @@
           <a:bodyPr/>
           <a:lstStyle/>
           <a:p>
-            <a:r>
-              <a:rPr lang="en-US" u="sng" dirty="0"/>
-              <a:t>Original text:</a:t>
-            </a:r>
-          </a:p>
-          <a:p>
-            <a:r>
-              <a:rPr lang="en-US" u="none" dirty="0"/>
-              <a:t>Data Cleaning &amp; Organizing: </a:t>
-            </a:r>
-            <a:br>
-              <a:rPr lang="en-US" u="none" dirty="0"/>
-            </a:br>
-            <a:r>
-              <a:rPr lang="en-US" u="none" dirty="0"/>
-              <a:t>When we request the data from google trends through the website manually or through the python </a:t>
-            </a:r>
-            <a:r>
-              <a:rPr lang="en-US" u="none" dirty="0" err="1"/>
-              <a:t>api</a:t>
-            </a:r>
-            <a:r>
-              <a:rPr lang="en-US" u="none" dirty="0"/>
-              <a:t> the data we get in return is limited to be up to 270 samples each time, and each data set of 270 is normalized on itself using an internal method of google trends, in other words, we couldn’t get the real absolute quantity of searches and couldn’t calculate it by any reliable means.</a:t>
-            </a:r>
-            <a:br>
-              <a:rPr lang="en-US" u="none" dirty="0"/>
-            </a:br>
-            <a:r>
-              <a:rPr lang="en-US" u="none" dirty="0"/>
-              <a:t>This poses an even greater issue since we couldn’t connect the datasets we could have got from google trends because the scale the samples are normalized to is different almost every time (rarely it could be of the same scale reliably).</a:t>
-            </a:r>
-            <a:br>
-              <a:rPr lang="en-US" u="none" dirty="0"/>
-            </a:br>
-            <a:r>
-              <a:rPr lang="en-US" u="none" dirty="0"/>
-              <a:t>To solve that we used an additional tool, Glimpse, an addon for google trends that returns an approximated quantity of searches, since we used a total of 5 year timeframe, glimpse gave us weekly samples.</a:t>
-            </a:r>
-            <a:br>
-              <a:rPr lang="en-US" u="none" dirty="0"/>
-            </a:br>
-            <a:r>
-              <a:rPr lang="en-US" u="none" dirty="0"/>
-              <a:t>Using the approximated quantity and the distribution of each data set from google trends we were able to approximate a reliable enough data set containing daily samples of continuous nature.</a:t>
-            </a:r>
-            <a:br>
-              <a:rPr lang="en-US" u="none" dirty="0"/>
-            </a:br>
-            <a:r>
-              <a:rPr lang="en-US" u="none" dirty="0"/>
-              <a:t>After doing so we normalized all the data to be from 0 to 100</a:t>
-            </a:r>
-          </a:p>
-          <a:p>
-            <a:endParaRPr lang="en-US" u="none" dirty="0"/>
-          </a:p>
-          <a:p>
-            <a:r>
-              <a:rPr lang="en-US" b="1" u="none" dirty="0"/>
-              <a:t>NEED TO EDIT</a:t>
-            </a:r>
-          </a:p>
-          <a:p>
-            <a:endParaRPr lang="en-US" u="none" dirty="0"/>
-          </a:p>
-          <a:p>
-            <a:r>
-              <a:rPr lang="en-US" u="sng" dirty="0"/>
-              <a:t>Bullet expansion:</a:t>
-            </a:r>
-            <a:endParaRPr lang="en-US" u="none" dirty="0"/>
-          </a:p>
-          <a:p>
-            <a:pPr marL="228600" indent="-228600">
-              <a:buAutoNum type="arabicPeriod"/>
-            </a:pPr>
-            <a:r>
-              <a:rPr lang="en-US" u="none" dirty="0"/>
-              <a:t>Using Glimpse for Approximation:</a:t>
-            </a:r>
-          </a:p>
-          <a:p>
-            <a:pPr marL="685800" lvl="1" indent="-228600">
-              <a:buFont typeface="Arial" panose="020B0604020202020204" pitchFamily="34" charset="0"/>
-              <a:buChar char="•"/>
-            </a:pPr>
-            <a:r>
-              <a:rPr lang="en-US" u="none" dirty="0"/>
-              <a:t>"We used Glimpse to obtain approximate search quantities over a five-year timeframe, providing us with weekly samples. This allowed us to create a reliable dataset of daily samples, normalized from 0 to 100.“</a:t>
-            </a:r>
-          </a:p>
-          <a:p>
-            <a:pPr marL="228600" marR="0" lvl="0" indent="-228600" algn="l" defTabSz="914400" rtl="0" eaLnBrk="1" fontAlgn="auto" latinLnBrk="0" hangingPunct="1">
-              <a:lnSpc>
-                <a:spcPct val="100000"/>
-              </a:lnSpc>
-              <a:spcBef>
-                <a:spcPts val="0"/>
-              </a:spcBef>
-              <a:spcAft>
-                <a:spcPts val="0"/>
-              </a:spcAft>
-              <a:buClrTx/>
-              <a:buSzTx/>
-              <a:buFontTx/>
-              <a:buAutoNum type="arabicPeriod"/>
-              <a:tabLst/>
-              <a:defRPr/>
-            </a:pPr>
-            <a:r>
-              <a:rPr lang="en-US" dirty="0"/>
-              <a:t>Data Cleaning &amp; Normalization</a:t>
-            </a:r>
-            <a:r>
-              <a:rPr lang="en-US" u="none" dirty="0"/>
-              <a:t>:</a:t>
-            </a:r>
-          </a:p>
-          <a:p>
-            <a:pPr marL="685800" lvl="1" indent="-228600">
-              <a:buFont typeface="Arial" panose="020B0604020202020204" pitchFamily="34" charset="0"/>
-              <a:buChar char="•"/>
-            </a:pPr>
-            <a:r>
-              <a:rPr lang="en-US" u="none" dirty="0"/>
-              <a:t>"The data from Google Trends is limited to 270 samples, each normalized individually. This made it difficult to connect datasets due to differing scales."</a:t>
-            </a:r>
             <a:endParaRPr lang="en-IL" u="none" dirty="0"/>
           </a:p>
         </p:txBody>
@@ -1429,261 +1155,53 @@
           <a:bodyPr/>
           <a:lstStyle/>
           <a:p>
+            <a:pPr algn="r" rtl="1"/>
             <a:r>
-              <a:rPr lang="en-US" u="sng" dirty="0"/>
-              <a:t>Original text:</a:t>
+              <a:rPr lang="he-IL" u="sng" dirty="0"/>
+              <a:t>שימוש ב:</a:t>
+            </a:r>
+          </a:p>
+          <a:p>
+            <a:pPr algn="r" rtl="1"/>
+            <a:r>
+              <a:rPr lang="en-US" u="none" dirty="0"/>
+              <a:t>Bollinger Band</a:t>
+            </a:r>
+            <a:r>
+              <a:rPr lang="he-IL" u="none" dirty="0"/>
+              <a:t>: אינדיקטור </a:t>
+            </a:r>
+            <a:r>
+              <a:rPr lang="he-IL" u="none" dirty="0" err="1"/>
+              <a:t>וולטיליות</a:t>
+            </a:r>
+            <a:r>
+              <a:rPr lang="he-IL" u="none" dirty="0"/>
+              <a:t> מבוסס על ממוצע נע המיושם על הטרנד</a:t>
+            </a:r>
+          </a:p>
+          <a:p>
+            <a:pPr algn="r" rtl="1"/>
+            <a:r>
+              <a:rPr lang="en-US" u="none" dirty="0"/>
+              <a:t>RSI</a:t>
+            </a:r>
+            <a:r>
+              <a:rPr lang="he-IL" u="none" dirty="0"/>
+              <a:t>: אינדיקטור לקנייה/מכירה מבוסס על חדות השינוי במחיר</a:t>
+            </a:r>
+          </a:p>
+          <a:p>
+            <a:pPr algn="r" rtl="1"/>
+            <a:r>
+              <a:rPr lang="en-US" u="none" dirty="0"/>
+              <a:t>Stop loss</a:t>
+            </a:r>
+            <a:r>
+              <a:rPr lang="he-IL" u="none" dirty="0"/>
+              <a:t>.</a:t>
             </a:r>
             <a:endParaRPr lang="en-US" u="none" dirty="0"/>
-          </a:p>
-          <a:p>
-            <a:r>
-              <a:rPr lang="en-US" u="none" dirty="0"/>
-              <a:t>The strategy is based on a granger causality test for each coin to determine how much delay should be set for the normalized trends data to gain the maximum plausible causality of the trends data on the price data.</a:t>
-            </a:r>
-          </a:p>
-          <a:p>
-            <a:r>
-              <a:rPr lang="en-US" u="none" dirty="0"/>
-              <a:t>Additionally, we filtered out coins that the granger causality said that their maximum plausible causality delay isn’t plausible enough (Hyper Parameter: maximum       P-value allowed from the granger causality test).</a:t>
-            </a:r>
-          </a:p>
-          <a:p>
-            <a:r>
-              <a:rPr lang="en-US" u="none" dirty="0"/>
-              <a:t>Than for each coin separately we calculated the signals to buy and sell, where the buy and sell signal are determined through the use of Bollinger bands on the normalized trends data (Hyper Parameters: MA window, amount of </a:t>
-            </a:r>
-            <a:r>
-              <a:rPr lang="en-US" u="none" dirty="0" err="1"/>
-              <a:t>sd</a:t>
-            </a:r>
-            <a:r>
-              <a:rPr lang="en-US" u="none" dirty="0"/>
-              <a:t> added to upper band and amount of </a:t>
-            </a:r>
-            <a:r>
-              <a:rPr lang="en-US" u="none" dirty="0" err="1"/>
-              <a:t>sd</a:t>
-            </a:r>
-            <a:r>
-              <a:rPr lang="en-US" u="none" dirty="0"/>
-              <a:t> subtracted from lower band) and through the use of RSI on the Close price of the coin (Hyper Parameters: RSI window and RSI limits) as a limiting force for the Bollinger bands when the prices of the coins become too noisy and therefor too risky to trade.</a:t>
-            </a:r>
-          </a:p>
-          <a:p>
-            <a:r>
-              <a:rPr lang="en-US" u="none" dirty="0"/>
-              <a:t>After that we connect the data of all of the coins and order the samples by their dates and apply the signals.</a:t>
-            </a:r>
-          </a:p>
-          <a:p>
-            <a:r>
-              <a:rPr lang="en-US" u="none" dirty="0"/>
-              <a:t>When there is a Buy signal we compute using the balance, a scaling number (Hyper Parameter: quantity scale) and the ratio of the normalized trend with the upper band of the Bollinger bands how many of the current coin to buy, and using the Open and Close prices of the coin the price of that coin using slippage correction over the Open price.</a:t>
-            </a:r>
-            <a:br>
-              <a:rPr lang="en-US" u="none" dirty="0"/>
-            </a:br>
-            <a:r>
-              <a:rPr lang="en-US" u="none" dirty="0"/>
-              <a:t>It is important to mention that after the buying action using the quantity calculated the value of the portfolio is updated.</a:t>
-            </a:r>
-          </a:p>
-          <a:p>
-            <a:r>
-              <a:rPr lang="en-US" u="none" dirty="0"/>
-              <a:t>When there is a Sell signal we sell all of the held amount of that coin up until that date, that amount is sold as well with the price that was calculated using slippage correction over the Open price.</a:t>
-            </a:r>
-            <a:br>
-              <a:rPr lang="en-US" u="none" dirty="0"/>
-            </a:br>
-            <a:r>
-              <a:rPr lang="en-US" u="none" dirty="0"/>
-              <a:t>It is important to mention that after the selling action using the quantity calculated the value of the portfolio is updated.</a:t>
-            </a:r>
-            <a:br>
-              <a:rPr lang="en-US" u="none" dirty="0"/>
-            </a:br>
-            <a:r>
-              <a:rPr lang="en-US" u="none" dirty="0"/>
-              <a:t>Originally the Quantity sold of a particular coin was calculated in a similar way to how it is calculated for the Buy signal, but due to many results from the </a:t>
-            </a:r>
-            <a:r>
-              <a:rPr lang="en-US" u="none" dirty="0" err="1"/>
-              <a:t>backtesting</a:t>
-            </a:r>
-            <a:r>
-              <a:rPr lang="en-US" u="none" dirty="0"/>
-              <a:t> we determined that it is best and most efficient to always sell all when a sell signal is given.</a:t>
-            </a:r>
-          </a:p>
-          <a:p>
-            <a:r>
-              <a:rPr lang="en-US" u="none" dirty="0"/>
-              <a:t>When there is no Buy or Sell signal the value of the amount of the coin held, is updated in the value of the overall portfolio, again, using the price calculated using slippage correction over the Open price.</a:t>
-            </a:r>
-          </a:p>
-          <a:p>
-            <a:r>
-              <a:rPr lang="en-US" u="none" dirty="0"/>
-              <a:t>Finally, after all of that we calculated for each version of this strategy (a version is this strategy with a different set of Hyper-Parameters) performance metrics to evaluate and find which version performed the best.</a:t>
-            </a:r>
-          </a:p>
-          <a:p>
-            <a:r>
-              <a:rPr lang="en-US" u="none" dirty="0"/>
-              <a:t>Additionally, we made a comparison strategy with the simple methodology of Buy &amp; Hold (A.K.A. Hoddle) and calculated its performance metrics as well for comparison.</a:t>
-            </a:r>
-          </a:p>
-          <a:p>
-            <a:endParaRPr lang="en-US" u="sng" dirty="0"/>
-          </a:p>
-          <a:p>
-            <a:r>
-              <a:rPr lang="en-US" u="sng" dirty="0"/>
-              <a:t>Bullet expansion:</a:t>
-            </a:r>
-            <a:endParaRPr lang="en-US" u="none" dirty="0"/>
-          </a:p>
-          <a:p>
-            <a:pPr marL="228600" indent="-228600">
-              <a:buAutoNum type="arabicPeriod"/>
-            </a:pPr>
-            <a:r>
-              <a:rPr lang="en-US" u="none" dirty="0"/>
-              <a:t>Granger Causality Test:</a:t>
-            </a:r>
-          </a:p>
-          <a:p>
-            <a:pPr marL="685800" lvl="1" indent="-228600">
-              <a:buFont typeface="Arial" panose="020B0604020202020204" pitchFamily="34" charset="0"/>
-              <a:buChar char="•"/>
-            </a:pPr>
-            <a:r>
-              <a:rPr lang="en-US" u="none" dirty="0"/>
-              <a:t>"We applied a Granger causality test to each coin to determine the optimal delay for trends data to influence price data."</a:t>
-            </a:r>
-          </a:p>
-          <a:p>
-            <a:pPr marL="228600" marR="0" lvl="0" indent="-228600" algn="l" defTabSz="914400" rtl="0" eaLnBrk="1" fontAlgn="auto" latinLnBrk="0" hangingPunct="1">
-              <a:lnSpc>
-                <a:spcPct val="100000"/>
-              </a:lnSpc>
-              <a:spcBef>
-                <a:spcPts val="0"/>
-              </a:spcBef>
-              <a:spcAft>
-                <a:spcPts val="0"/>
-              </a:spcAft>
-              <a:buClrTx/>
-              <a:buSzTx/>
-              <a:buFontTx/>
-              <a:buAutoNum type="arabicPeriod"/>
-              <a:tabLst/>
-              <a:defRPr/>
-            </a:pPr>
-            <a:r>
-              <a:rPr lang="en-US" u="none" dirty="0"/>
-              <a:t>Filtering Coins (</a:t>
-            </a:r>
-            <a:r>
-              <a:rPr lang="en-US" sz="1200" dirty="0">
-                <a:solidFill>
-                  <a:schemeClr val="bg1"/>
-                </a:solidFill>
-              </a:rPr>
-              <a:t>Granger Causality Test</a:t>
-            </a:r>
-            <a:r>
-              <a:rPr lang="en-US" u="none" dirty="0"/>
-              <a:t>):</a:t>
-            </a:r>
-          </a:p>
-          <a:p>
-            <a:pPr marL="685800" lvl="1" indent="-228600">
-              <a:buFont typeface="Arial" panose="020B0604020202020204" pitchFamily="34" charset="0"/>
-              <a:buChar char="•"/>
-            </a:pPr>
-            <a:r>
-              <a:rPr lang="en-US" u="none" dirty="0"/>
-              <a:t>"Coins with insufficient causality delays were filtered out to ensure reliability."</a:t>
-            </a:r>
-          </a:p>
-          <a:p>
-            <a:pPr marL="228600" indent="-228600">
-              <a:buAutoNum type="arabicPeriod"/>
-            </a:pPr>
-            <a:r>
-              <a:rPr lang="en-US" u="none" dirty="0"/>
-              <a:t>Signal Calculation:</a:t>
-            </a:r>
-          </a:p>
-          <a:p>
-            <a:pPr marL="685800" lvl="1" indent="-228600">
-              <a:buFont typeface="Arial" panose="020B0604020202020204" pitchFamily="34" charset="0"/>
-              <a:buChar char="•"/>
-            </a:pPr>
-            <a:r>
-              <a:rPr lang="en-US" u="none" dirty="0"/>
-              <a:t>"Buy and sell signals were determined using Bollinger bands and RSI. These signals were based on the normalized trends data and the coin's close price."</a:t>
-            </a:r>
-          </a:p>
-          <a:p>
-            <a:pPr marL="228600" indent="-228600">
-              <a:buAutoNum type="arabicPeriod"/>
-            </a:pPr>
-            <a:r>
-              <a:rPr lang="en-US" u="none" dirty="0"/>
-              <a:t>Portfolio Updates:</a:t>
-            </a:r>
-          </a:p>
-          <a:p>
-            <a:pPr marL="685800" lvl="1" indent="-228600">
-              <a:buFont typeface="Arial" panose="020B0604020202020204" pitchFamily="34" charset="0"/>
-              <a:buChar char="•"/>
-            </a:pPr>
-            <a:r>
-              <a:rPr lang="en-US" u="none" dirty="0"/>
-              <a:t>"We updated the portfolio's value based on buy and sell actions, considering slippage corrections and re-evaluating the balance after each transaction."</a:t>
-            </a:r>
-          </a:p>
-          <a:p>
-            <a:pPr marL="228600" indent="-228600">
-              <a:buAutoNum type="arabicPeriod"/>
-            </a:pPr>
-            <a:r>
-              <a:rPr lang="en-US" u="none" dirty="0"/>
-              <a:t>Performance Metrics:</a:t>
-            </a:r>
-          </a:p>
-          <a:p>
-            <a:pPr marL="685800" lvl="1" indent="-228600">
-              <a:buFont typeface="Arial" panose="020B0604020202020204" pitchFamily="34" charset="0"/>
-              <a:buChar char="•"/>
-            </a:pPr>
-            <a:r>
-              <a:rPr lang="en-US" u="none" dirty="0"/>
-              <a:t>"We calculated performance metrics for each strategy version to identify the best performing set of hyper-parameters."</a:t>
-            </a:r>
-          </a:p>
-          <a:p>
-            <a:pPr marL="228600" indent="-228600">
-              <a:buAutoNum type="arabicPeriod"/>
-            </a:pPr>
-            <a:r>
-              <a:rPr lang="en-US" u="none" dirty="0"/>
-              <a:t>Comparison with Buy &amp; Hold:</a:t>
-            </a:r>
-          </a:p>
-          <a:p>
-            <a:pPr marL="685800" lvl="1" indent="-228600">
-              <a:buFont typeface="Arial" panose="020B0604020202020204" pitchFamily="34" charset="0"/>
-              <a:buChar char="•"/>
-            </a:pPr>
-            <a:r>
-              <a:rPr lang="en-US" u="none" dirty="0"/>
-              <a:t>"For comparison, we also evaluated a simple Buy &amp; Hold strategy and calculated its performance metrics."</a:t>
-            </a:r>
-            <a:endParaRPr lang="en-IL" u="none" dirty="0"/>
           </a:p>
         </p:txBody>
       </p:sp>
@@ -1724,6 +1242,90 @@
 </file>
 
 <file path=ppt/notesSlides/notesSlide7.xml><?xml version="1.0" encoding="utf-8"?>
+<p:notes xmlns:a="http://schemas.openxmlformats.org/drawingml/2006/main" xmlns:r="http://schemas.openxmlformats.org/officeDocument/2006/relationships" xmlns:p="http://schemas.openxmlformats.org/presentationml/2006/main">
+  <p:cSld>
+    <p:spTree>
+      <p:nvGrpSpPr>
+        <p:cNvPr id="1" name=""/>
+        <p:cNvGrpSpPr/>
+        <p:nvPr/>
+      </p:nvGrpSpPr>
+      <p:grpSpPr>
+        <a:xfrm>
+          <a:off x="0" y="0"/>
+          <a:ext cx="0" cy="0"/>
+          <a:chOff x="0" y="0"/>
+          <a:chExt cx="0" cy="0"/>
+        </a:xfrm>
+      </p:grpSpPr>
+      <p:sp>
+        <p:nvSpPr>
+          <p:cNvPr id="2" name="Slide Image Placeholder 1"/>
+          <p:cNvSpPr>
+            <a:spLocks noGrp="1" noRot="1" noChangeAspect="1"/>
+          </p:cNvSpPr>
+          <p:nvPr>
+            <p:ph type="sldImg"/>
+          </p:nvPr>
+        </p:nvSpPr>
+        <p:spPr/>
+      </p:sp>
+      <p:sp>
+        <p:nvSpPr>
+          <p:cNvPr id="3" name="Notes Placeholder 2"/>
+          <p:cNvSpPr>
+            <a:spLocks noGrp="1"/>
+          </p:cNvSpPr>
+          <p:nvPr>
+            <p:ph type="body" idx="1"/>
+          </p:nvPr>
+        </p:nvSpPr>
+        <p:spPr/>
+        <p:txBody>
+          <a:bodyPr/>
+          <a:lstStyle/>
+          <a:p>
+            <a:endParaRPr lang="en-IL" dirty="0"/>
+          </a:p>
+        </p:txBody>
+      </p:sp>
+      <p:sp>
+        <p:nvSpPr>
+          <p:cNvPr id="4" name="Slide Number Placeholder 3"/>
+          <p:cNvSpPr>
+            <a:spLocks noGrp="1"/>
+          </p:cNvSpPr>
+          <p:nvPr>
+            <p:ph type="sldNum" sz="quarter" idx="5"/>
+          </p:nvPr>
+        </p:nvSpPr>
+        <p:spPr/>
+        <p:txBody>
+          <a:bodyPr/>
+          <a:lstStyle/>
+          <a:p>
+            <a:fld id="{22289C57-55D7-40A4-A101-E74FAC7A092B}" type="slidenum">
+              <a:rPr lang="en-US" smtClean="0"/>
+              <a:t>9</a:t>
+            </a:fld>
+            <a:endParaRPr lang="en-US" dirty="0"/>
+          </a:p>
+        </p:txBody>
+      </p:sp>
+    </p:spTree>
+    <p:extLst>
+      <p:ext uri="{BB962C8B-B14F-4D97-AF65-F5344CB8AC3E}">
+        <p14:creationId xmlns:p14="http://schemas.microsoft.com/office/powerpoint/2010/main" val="3218932403"/>
+      </p:ext>
+    </p:extLst>
+  </p:cSld>
+  <p:clrMapOvr>
+    <a:masterClrMapping/>
+  </p:clrMapOvr>
+</p:notes>
+</file>
+
+<file path=ppt/notesSlides/notesSlide8.xml><?xml version="1.0" encoding="utf-8"?>
 <p:notes xmlns:a="http://schemas.openxmlformats.org/drawingml/2006/main" xmlns:r="http://schemas.openxmlformats.org/officeDocument/2006/relationships" xmlns:p="http://schemas.openxmlformats.org/presentationml/2006/main">
   <p:cSld>
     <p:spTree>
@@ -9223,7 +8825,7 @@
         <p:spPr>
           <a:xfrm>
             <a:off x="1201543" y="3682795"/>
-            <a:ext cx="6105292" cy="923330"/>
+            <a:ext cx="6105292" cy="646331"/>
           </a:xfrm>
           <a:prstGeom prst="rect">
             <a:avLst/>
@@ -9243,16 +8845,6 @@
             <a:r>
               <a:rPr lang="en-US" dirty="0"/>
               <a:t>Simple idea, Complex Execution</a:t>
-            </a:r>
-          </a:p>
-          <a:p>
-            <a:pPr marL="285750" indent="-285750">
-              <a:buFont typeface="Arial" panose="020B0604020202020204" pitchFamily="34" charset="0"/>
-              <a:buChar char="•"/>
-            </a:pPr>
-            <a:r>
-              <a:rPr lang="en-US" dirty="0"/>
-              <a:t>Performance Metrics</a:t>
             </a:r>
           </a:p>
           <a:p>
@@ -9391,70 +8983,6 @@
                                           <p:spTgt spid="5">
                                             <p:txEl>
                                               <p:pRg st="1" end="1"/>
-                                            </p:txEl>
-                                          </p:spTgt>
-                                        </p:tgtEl>
-                                      </p:cBhvr>
-                                    </p:animEffect>
-                                  </p:childTnLst>
-                                </p:cTn>
-                              </p:par>
-                            </p:childTnLst>
-                          </p:cTn>
-                        </p:par>
-                      </p:childTnLst>
-                    </p:cTn>
-                  </p:par>
-                  <p:par>
-                    <p:cTn id="12" fill="hold">
-                      <p:stCondLst>
-                        <p:cond delay="indefinite"/>
-                      </p:stCondLst>
-                      <p:childTnLst>
-                        <p:par>
-                          <p:cTn id="13" fill="hold">
-                            <p:stCondLst>
-                              <p:cond delay="0"/>
-                            </p:stCondLst>
-                            <p:childTnLst>
-                              <p:par>
-                                <p:cTn id="14" presetID="10" presetClass="entr" presetSubtype="0" fill="hold" nodeType="clickEffect">
-                                  <p:stCondLst>
-                                    <p:cond delay="0"/>
-                                  </p:stCondLst>
-                                  <p:iterate type="lt">
-                                    <p:tmPct val="2000"/>
-                                  </p:iterate>
-                                  <p:childTnLst>
-                                    <p:set>
-                                      <p:cBhvr>
-                                        <p:cTn id="15" dur="1" fill="hold">
-                                          <p:stCondLst>
-                                            <p:cond delay="0"/>
-                                          </p:stCondLst>
-                                        </p:cTn>
-                                        <p:tgtEl>
-                                          <p:spTgt spid="5">
-                                            <p:txEl>
-                                              <p:pRg st="2" end="2"/>
-                                            </p:txEl>
-                                          </p:spTgt>
-                                        </p:tgtEl>
-                                        <p:attrNameLst>
-                                          <p:attrName>style.visibility</p:attrName>
-                                        </p:attrNameLst>
-                                      </p:cBhvr>
-                                      <p:to>
-                                        <p:strVal val="visible"/>
-                                      </p:to>
-                                    </p:set>
-                                    <p:animEffect transition="in" filter="fade">
-                                      <p:cBhvr>
-                                        <p:cTn id="16" dur="500"/>
-                                        <p:tgtEl>
-                                          <p:spTgt spid="5">
-                                            <p:txEl>
-                                              <p:pRg st="2" end="2"/>
                                             </p:txEl>
                                           </p:spTgt>
                                         </p:tgtEl>
